--- a/Presentation/Soutenance.pptx
+++ b/Presentation/Soutenance.pptx
@@ -10439,7 +10439,7 @@
             </a:pPr>
             <a:r>
               <a:rPr lang="fr"/>
-              <a:t>Elle à était fondé en 1968 et offre de nos jours un </a:t>
+              <a:t>Elle a été fondé en 1968 et offre de nos jours un </a:t>
             </a:r>
             <a:r>
               <a:rPr lang="fr"/>
